--- a/doc/Entregas_Desenvolvimento_de_APP/Recruta-Slide v1.2.pptx
+++ b/doc/Entregas_Desenvolvimento_de_APP/Recruta-Slide v1.2.pptx
@@ -15,16 +15,14 @@
     <p:sldId id="287" r:id="rId9"/>
     <p:sldId id="288" r:id="rId10"/>
     <p:sldId id="285" r:id="rId11"/>
-    <p:sldId id="290" r:id="rId12"/>
-    <p:sldId id="293" r:id="rId13"/>
-    <p:sldId id="291" r:id="rId14"/>
-    <p:sldId id="292" r:id="rId15"/>
-    <p:sldId id="294" r:id="rId16"/>
-    <p:sldId id="296" r:id="rId17"/>
-    <p:sldId id="295" r:id="rId18"/>
-    <p:sldId id="299" r:id="rId19"/>
-    <p:sldId id="297" r:id="rId20"/>
-    <p:sldId id="284" r:id="rId21"/>
+    <p:sldId id="291" r:id="rId12"/>
+    <p:sldId id="292" r:id="rId13"/>
+    <p:sldId id="294" r:id="rId14"/>
+    <p:sldId id="296" r:id="rId15"/>
+    <p:sldId id="295" r:id="rId16"/>
+    <p:sldId id="299" r:id="rId17"/>
+    <p:sldId id="297" r:id="rId18"/>
+    <p:sldId id="284" r:id="rId19"/>
   </p:sldIdLst>
   <p:sldSz cx="9144000" cy="6858000" type="screen4x3"/>
   <p:notesSz cx="6858000" cy="9144000"/>
@@ -13424,412 +13422,6 @@
                 </a:solidFill>
                 <a:latin typeface="Century Gothic" pitchFamily="34" charset="0"/>
               </a:rPr>
-              <a:t>Metodologia</a:t>
-            </a:r>
-            <a:endParaRPr lang="pt-BR" sz="1400" b="1" i="1" dirty="0">
-              <a:solidFill>
-                <a:prstClr val="white">
-                  <a:lumMod val="50000"/>
-                </a:prstClr>
-              </a:solidFill>
-              <a:latin typeface="Century Gothic" pitchFamily="34" charset="0"/>
-            </a:endParaRPr>
-          </a:p>
-        </p:txBody>
-      </p:sp>
-      <p:sp>
-        <p:nvSpPr>
-          <p:cNvPr id="6" name="Subtítulo 2"/>
-          <p:cNvSpPr>
-            <a:spLocks noGrp="1"/>
-          </p:cNvSpPr>
-          <p:nvPr>
-            <p:ph type="subTitle" idx="1"/>
-          </p:nvPr>
-        </p:nvSpPr>
-        <p:spPr>
-          <a:xfrm>
-            <a:off x="3284113" y="1577130"/>
-            <a:ext cx="5316961" cy="4577485"/>
-          </a:xfrm>
-        </p:spPr>
-        <p:txBody>
-          <a:bodyPr>
-            <a:noAutofit/>
-          </a:bodyPr>
-          <a:lstStyle/>
-          <a:p>
-            <a:pPr algn="just"/>
-            <a:r>
-              <a:rPr lang="pt-BR" sz="2400" dirty="0">
-                <a:solidFill>
-                  <a:schemeClr val="tx1"/>
-                </a:solidFill>
-              </a:rPr>
-              <a:t>O RUP define perfeitamente quem é responsável pelo que, como as coisas deverão ser feitas e quando devem ser realizadas, descrevendo todas as metas de desenvolvimento especificamente para que sejam alcançadas.</a:t>
-            </a:r>
-          </a:p>
-          <a:p>
-            <a:pPr algn="just"/>
-            <a:endParaRPr lang="pt-BR" sz="2400" dirty="0">
-              <a:solidFill>
-                <a:schemeClr val="tx1"/>
-              </a:solidFill>
-            </a:endParaRPr>
-          </a:p>
-          <a:p>
-            <a:pPr algn="just"/>
-            <a:endParaRPr lang="pt-BR" sz="2400" dirty="0">
-              <a:solidFill>
-                <a:schemeClr val="tx1"/>
-              </a:solidFill>
-            </a:endParaRPr>
-          </a:p>
-          <a:p>
-            <a:pPr algn="just"/>
-            <a:endParaRPr lang="pt-BR" sz="2400" dirty="0">
-              <a:solidFill>
-                <a:schemeClr val="tx1"/>
-              </a:solidFill>
-            </a:endParaRPr>
-          </a:p>
-          <a:p>
-            <a:pPr algn="just"/>
-            <a:endParaRPr lang="pt-BR" sz="2400" dirty="0">
-              <a:solidFill>
-                <a:schemeClr val="tx1"/>
-              </a:solidFill>
-            </a:endParaRPr>
-          </a:p>
-          <a:p>
-            <a:pPr algn="just"/>
-            <a:endParaRPr lang="pt-BR" sz="2400" dirty="0">
-              <a:solidFill>
-                <a:schemeClr val="tx1"/>
-              </a:solidFill>
-            </a:endParaRPr>
-          </a:p>
-          <a:p>
-            <a:pPr algn="just"/>
-            <a:endParaRPr lang="pt-BR" sz="2400" dirty="0">
-              <a:solidFill>
-                <a:schemeClr val="tx1"/>
-              </a:solidFill>
-            </a:endParaRPr>
-          </a:p>
-          <a:p>
-            <a:pPr algn="just"/>
-            <a:endParaRPr lang="pt-BR" sz="2400" dirty="0">
-              <a:solidFill>
-                <a:schemeClr val="tx1"/>
-              </a:solidFill>
-            </a:endParaRPr>
-          </a:p>
-        </p:txBody>
-      </p:sp>
-    </p:spTree>
-    <p:extLst>
-      <p:ext uri="{BB962C8B-B14F-4D97-AF65-F5344CB8AC3E}">
-        <p14:creationId xmlns:p14="http://schemas.microsoft.com/office/powerpoint/2010/main" val="2286241778"/>
-      </p:ext>
-    </p:extLst>
-  </p:cSld>
-  <p:clrMapOvr>
-    <a:masterClrMapping/>
-  </p:clrMapOvr>
-</p:sld>
-</file>
-
-<file path=ppt/slides/slide11.xml><?xml version="1.0" encoding="utf-8"?>
-<p:sld xmlns:a="http://schemas.openxmlformats.org/drawingml/2006/main" xmlns:r="http://schemas.openxmlformats.org/officeDocument/2006/relationships" xmlns:p="http://schemas.openxmlformats.org/presentationml/2006/main">
-  <p:cSld>
-    <p:spTree>
-      <p:nvGrpSpPr>
-        <p:cNvPr id="1" name=""/>
-        <p:cNvGrpSpPr/>
-        <p:nvPr/>
-      </p:nvGrpSpPr>
-      <p:grpSpPr>
-        <a:xfrm>
-          <a:off x="0" y="0"/>
-          <a:ext cx="0" cy="0"/>
-          <a:chOff x="0" y="0"/>
-          <a:chExt cx="0" cy="0"/>
-        </a:xfrm>
-      </p:grpSpPr>
-      <p:sp>
-        <p:nvSpPr>
-          <p:cNvPr id="4" name="Título 1"/>
-          <p:cNvSpPr txBox="1">
-            <a:spLocks/>
-          </p:cNvSpPr>
-          <p:nvPr/>
-        </p:nvSpPr>
-        <p:spPr>
-          <a:xfrm>
-            <a:off x="395536" y="341312"/>
-            <a:ext cx="2448272" cy="1008112"/>
-          </a:xfrm>
-          <a:prstGeom prst="rect">
-            <a:avLst/>
-          </a:prstGeom>
-        </p:spPr>
-        <p:txBody>
-          <a:bodyPr vert="horz" lIns="91440" tIns="45720" rIns="91440" bIns="45720" rtlCol="0" anchor="ctr">
-            <a:normAutofit/>
-          </a:bodyPr>
-          <a:lstStyle>
-            <a:lvl1pPr algn="ctr" defTabSz="914400" rtl="0" eaLnBrk="1" latinLnBrk="0" hangingPunct="1">
-              <a:spcBef>
-                <a:spcPct val="0"/>
-              </a:spcBef>
-              <a:buNone/>
-              <a:defRPr sz="4400" kern="1200">
-                <a:solidFill>
-                  <a:schemeClr val="tx1"/>
-                </a:solidFill>
-                <a:latin typeface="+mj-lt"/>
-                <a:ea typeface="+mj-ea"/>
-                <a:cs typeface="+mj-cs"/>
-              </a:defRPr>
-            </a:lvl1pPr>
-          </a:lstStyle>
-          <a:p>
-            <a:pPr algn="l"/>
-            <a:r>
-              <a:rPr lang="pt-BR" sz="1400" b="1" dirty="0">
-                <a:solidFill>
-                  <a:prstClr val="white">
-                    <a:lumMod val="50000"/>
-                  </a:prstClr>
-                </a:solidFill>
-                <a:latin typeface="Century Gothic" pitchFamily="34" charset="0"/>
-              </a:rPr>
-              <a:t>Metodologia</a:t>
-            </a:r>
-            <a:endParaRPr lang="pt-BR" sz="1400" b="1" i="1" dirty="0">
-              <a:solidFill>
-                <a:prstClr val="white">
-                  <a:lumMod val="50000"/>
-                </a:prstClr>
-              </a:solidFill>
-              <a:latin typeface="Century Gothic" pitchFamily="34" charset="0"/>
-            </a:endParaRPr>
-          </a:p>
-        </p:txBody>
-      </p:sp>
-      <p:sp>
-        <p:nvSpPr>
-          <p:cNvPr id="6" name="Subtítulo 2"/>
-          <p:cNvSpPr>
-            <a:spLocks noGrp="1"/>
-          </p:cNvSpPr>
-          <p:nvPr>
-            <p:ph type="subTitle" idx="1"/>
-          </p:nvPr>
-        </p:nvSpPr>
-        <p:spPr>
-          <a:xfrm>
-            <a:off x="3284113" y="1593909"/>
-            <a:ext cx="5316961" cy="4560706"/>
-          </a:xfrm>
-        </p:spPr>
-        <p:txBody>
-          <a:bodyPr>
-            <a:noAutofit/>
-          </a:bodyPr>
-          <a:lstStyle/>
-          <a:p>
-            <a:pPr algn="just"/>
-            <a:r>
-              <a:rPr lang="pt-BR" sz="2400" dirty="0">
-                <a:solidFill>
-                  <a:schemeClr val="tx1"/>
-                </a:solidFill>
-              </a:rPr>
-              <a:t>É um processo de engenharia de software criado para apoiar o desenvolvimento orientado a objetos, fornecendo uma forma sistemática para se obter vantagens no uso da UML.</a:t>
-            </a:r>
-          </a:p>
-          <a:p>
-            <a:pPr algn="just"/>
-            <a:endParaRPr lang="pt-BR" sz="2400" dirty="0">
-              <a:solidFill>
-                <a:schemeClr val="tx1"/>
-              </a:solidFill>
-            </a:endParaRPr>
-          </a:p>
-          <a:p>
-            <a:pPr algn="just"/>
-            <a:endParaRPr lang="pt-BR" sz="2400" dirty="0">
-              <a:solidFill>
-                <a:schemeClr val="tx1"/>
-              </a:solidFill>
-            </a:endParaRPr>
-          </a:p>
-          <a:p>
-            <a:pPr algn="just"/>
-            <a:endParaRPr lang="pt-BR" sz="2400" dirty="0">
-              <a:solidFill>
-                <a:schemeClr val="tx1"/>
-              </a:solidFill>
-            </a:endParaRPr>
-          </a:p>
-          <a:p>
-            <a:pPr algn="just"/>
-            <a:endParaRPr lang="pt-BR" sz="2400" dirty="0">
-              <a:solidFill>
-                <a:schemeClr val="tx1"/>
-              </a:solidFill>
-            </a:endParaRPr>
-          </a:p>
-          <a:p>
-            <a:pPr algn="just"/>
-            <a:endParaRPr lang="pt-BR" sz="2400" dirty="0">
-              <a:solidFill>
-                <a:schemeClr val="tx1"/>
-              </a:solidFill>
-            </a:endParaRPr>
-          </a:p>
-          <a:p>
-            <a:pPr algn="just"/>
-            <a:endParaRPr lang="pt-BR" sz="2400" dirty="0">
-              <a:solidFill>
-                <a:schemeClr val="tx1"/>
-              </a:solidFill>
-            </a:endParaRPr>
-          </a:p>
-          <a:p>
-            <a:pPr algn="just"/>
-            <a:endParaRPr lang="pt-BR" sz="2400" dirty="0">
-              <a:solidFill>
-                <a:schemeClr val="tx1"/>
-              </a:solidFill>
-            </a:endParaRPr>
-          </a:p>
-          <a:p>
-            <a:pPr algn="just"/>
-            <a:endParaRPr lang="pt-BR" sz="2400" dirty="0">
-              <a:solidFill>
-                <a:schemeClr val="tx1"/>
-              </a:solidFill>
-            </a:endParaRPr>
-          </a:p>
-        </p:txBody>
-      </p:sp>
-      <p:pic>
-        <p:nvPicPr>
-          <p:cNvPr id="3" name="Imagem 2">
-            <a:extLst>
-              <a:ext uri="{FF2B5EF4-FFF2-40B4-BE49-F238E27FC236}">
-                <a16:creationId xmlns="" xmlns:a16="http://schemas.microsoft.com/office/drawing/2014/main" id="{6549D01F-356A-46F8-B219-81BD8E0BCA1F}"/>
-              </a:ext>
-            </a:extLst>
-          </p:cNvPr>
-          <p:cNvPicPr>
-            <a:picLocks noChangeAspect="1"/>
-          </p:cNvPicPr>
-          <p:nvPr/>
-        </p:nvPicPr>
-        <p:blipFill>
-          <a:blip r:embed="rId2">
-            <a:extLst>
-              <a:ext uri="{28A0092B-C50C-407E-A947-70E740481C1C}">
-                <a14:useLocalDpi xmlns:a14="http://schemas.microsoft.com/office/drawing/2010/main" val="0"/>
-              </a:ext>
-            </a:extLst>
-          </a:blip>
-          <a:stretch>
-            <a:fillRect/>
-          </a:stretch>
-        </p:blipFill>
-        <p:spPr>
-          <a:xfrm>
-            <a:off x="3284113" y="3626049"/>
-            <a:ext cx="3959689" cy="2528566"/>
-          </a:xfrm>
-          <a:prstGeom prst="rect">
-            <a:avLst/>
-          </a:prstGeom>
-        </p:spPr>
-      </p:pic>
-    </p:spTree>
-    <p:extLst>
-      <p:ext uri="{BB962C8B-B14F-4D97-AF65-F5344CB8AC3E}">
-        <p14:creationId xmlns:p14="http://schemas.microsoft.com/office/powerpoint/2010/main" val="984512111"/>
-      </p:ext>
-    </p:extLst>
-  </p:cSld>
-  <p:clrMapOvr>
-    <a:masterClrMapping/>
-  </p:clrMapOvr>
-</p:sld>
-</file>
-
-<file path=ppt/slides/slide12.xml><?xml version="1.0" encoding="utf-8"?>
-<p:sld xmlns:a="http://schemas.openxmlformats.org/drawingml/2006/main" xmlns:r="http://schemas.openxmlformats.org/officeDocument/2006/relationships" xmlns:p="http://schemas.openxmlformats.org/presentationml/2006/main">
-  <p:cSld>
-    <p:spTree>
-      <p:nvGrpSpPr>
-        <p:cNvPr id="1" name=""/>
-        <p:cNvGrpSpPr/>
-        <p:nvPr/>
-      </p:nvGrpSpPr>
-      <p:grpSpPr>
-        <a:xfrm>
-          <a:off x="0" y="0"/>
-          <a:ext cx="0" cy="0"/>
-          <a:chOff x="0" y="0"/>
-          <a:chExt cx="0" cy="0"/>
-        </a:xfrm>
-      </p:grpSpPr>
-      <p:sp>
-        <p:nvSpPr>
-          <p:cNvPr id="4" name="Título 1"/>
-          <p:cNvSpPr txBox="1">
-            <a:spLocks/>
-          </p:cNvSpPr>
-          <p:nvPr/>
-        </p:nvSpPr>
-        <p:spPr>
-          <a:xfrm>
-            <a:off x="395536" y="341312"/>
-            <a:ext cx="2448272" cy="1008112"/>
-          </a:xfrm>
-          <a:prstGeom prst="rect">
-            <a:avLst/>
-          </a:prstGeom>
-        </p:spPr>
-        <p:txBody>
-          <a:bodyPr vert="horz" lIns="91440" tIns="45720" rIns="91440" bIns="45720" rtlCol="0" anchor="ctr">
-            <a:normAutofit/>
-          </a:bodyPr>
-          <a:lstStyle>
-            <a:lvl1pPr algn="ctr" defTabSz="914400" rtl="0" eaLnBrk="1" latinLnBrk="0" hangingPunct="1">
-              <a:spcBef>
-                <a:spcPct val="0"/>
-              </a:spcBef>
-              <a:buNone/>
-              <a:defRPr sz="4400" kern="1200">
-                <a:solidFill>
-                  <a:schemeClr val="tx1"/>
-                </a:solidFill>
-                <a:latin typeface="+mj-lt"/>
-                <a:ea typeface="+mj-ea"/>
-                <a:cs typeface="+mj-cs"/>
-              </a:defRPr>
-            </a:lvl1pPr>
-          </a:lstStyle>
-          <a:p>
-            <a:pPr algn="l"/>
-            <a:r>
-              <a:rPr lang="pt-BR" sz="1400" b="1" dirty="0">
-                <a:solidFill>
-                  <a:prstClr val="white">
-                    <a:lumMod val="50000"/>
-                  </a:prstClr>
-                </a:solidFill>
-                <a:latin typeface="Century Gothic" pitchFamily="34" charset="0"/>
-              </a:rPr>
               <a:t>Desenvolvimento</a:t>
             </a:r>
             <a:endParaRPr lang="pt-BR" sz="1400" b="1" i="1" dirty="0">
@@ -14057,7 +13649,7 @@
 </p:sld>
 </file>
 
-<file path=ppt/slides/slide13.xml><?xml version="1.0" encoding="utf-8"?>
+<file path=ppt/slides/slide11.xml><?xml version="1.0" encoding="utf-8"?>
 <p:sld xmlns:a="http://schemas.openxmlformats.org/drawingml/2006/main" xmlns:r="http://schemas.openxmlformats.org/officeDocument/2006/relationships" xmlns:p="http://schemas.openxmlformats.org/presentationml/2006/main">
   <p:cSld>
     <p:spTree>
@@ -14178,7 +13770,7 @@
 </p:sld>
 </file>
 
-<file path=ppt/slides/slide14.xml><?xml version="1.0" encoding="utf-8"?>
+<file path=ppt/slides/slide12.xml><?xml version="1.0" encoding="utf-8"?>
 <p:sld xmlns:a="http://schemas.openxmlformats.org/drawingml/2006/main" xmlns:r="http://schemas.openxmlformats.org/officeDocument/2006/relationships" xmlns:p="http://schemas.openxmlformats.org/presentationml/2006/main">
   <p:cSld>
     <p:spTree>
@@ -14299,7 +13891,7 @@
 </p:sld>
 </file>
 
-<file path=ppt/slides/slide15.xml><?xml version="1.0" encoding="utf-8"?>
+<file path=ppt/slides/slide13.xml><?xml version="1.0" encoding="utf-8"?>
 <p:sld xmlns:a="http://schemas.openxmlformats.org/drawingml/2006/main" xmlns:r="http://schemas.openxmlformats.org/officeDocument/2006/relationships" xmlns:p="http://schemas.openxmlformats.org/presentationml/2006/main">
   <p:cSld>
     <p:spTree>
@@ -14420,7 +14012,7 @@
 </p:sld>
 </file>
 
-<file path=ppt/slides/slide16.xml><?xml version="1.0" encoding="utf-8"?>
+<file path=ppt/slides/slide14.xml><?xml version="1.0" encoding="utf-8"?>
 <p:sld xmlns:a="http://schemas.openxmlformats.org/drawingml/2006/main" xmlns:r="http://schemas.openxmlformats.org/officeDocument/2006/relationships" xmlns:p="http://schemas.openxmlformats.org/presentationml/2006/main">
   <p:cSld>
     <p:spTree>
@@ -14625,7 +14217,7 @@
 </p:sld>
 </file>
 
-<file path=ppt/slides/slide17.xml><?xml version="1.0" encoding="utf-8"?>
+<file path=ppt/slides/slide15.xml><?xml version="1.0" encoding="utf-8"?>
 <p:sld xmlns:a="http://schemas.openxmlformats.org/drawingml/2006/main" xmlns:r="http://schemas.openxmlformats.org/officeDocument/2006/relationships" xmlns:p="http://schemas.openxmlformats.org/presentationml/2006/main">
   <p:cSld>
     <p:spTree>
@@ -15884,15 +15476,7 @@
                   <a:schemeClr val="tx1"/>
                 </a:solidFill>
               </a:rPr>
-              <a:t>e REST.</a:t>
-            </a:r>
-            <a:r>
-              <a:rPr lang="pt-BR" sz="2400" smtClean="0">
-                <a:solidFill>
-                  <a:schemeClr val="tx1"/>
-                </a:solidFill>
-              </a:rPr>
-              <a:t> </a:t>
+              <a:t>e REST. </a:t>
             </a:r>
             <a:endParaRPr lang="pt-BR" sz="2400" dirty="0">
               <a:solidFill>
@@ -16369,7 +15953,7 @@
                 </a:solidFill>
                 <a:latin typeface="Century Gothic" pitchFamily="34" charset="0"/>
               </a:rPr>
-              <a:t>Referencial Teórico</a:t>
+              <a:t>Metodologia</a:t>
             </a:r>
             <a:endParaRPr lang="pt-BR" sz="1400" b="1" i="1" dirty="0">
               <a:solidFill>
@@ -16394,8 +15978,8 @@
         </p:nvSpPr>
         <p:spPr>
           <a:xfrm>
-            <a:off x="3284113" y="1987061"/>
-            <a:ext cx="5316961" cy="4167553"/>
+            <a:off x="3284113" y="1577130"/>
+            <a:ext cx="5316961" cy="4577485"/>
           </a:xfrm>
         </p:spPr>
         <p:txBody>
@@ -16404,212 +15988,18 @@
           </a:bodyPr>
           <a:lstStyle/>
           <a:p>
-            <a:pPr algn="l"/>
+            <a:pPr algn="just"/>
             <a:r>
               <a:rPr lang="pt-BR" sz="2400" dirty="0">
                 <a:solidFill>
                   <a:schemeClr val="tx1"/>
                 </a:solidFill>
               </a:rPr>
-              <a:t>Java 1.8</a:t>
-            </a:r>
-          </a:p>
-          <a:p>
-            <a:pPr algn="l"/>
-            <a:r>
-              <a:rPr lang="pt-BR" sz="2400" dirty="0">
-                <a:solidFill>
-                  <a:schemeClr val="tx1"/>
-                </a:solidFill>
-              </a:rPr>
-              <a:t/>
-            </a:r>
-            <a:br>
-              <a:rPr lang="pt-BR" sz="2400" dirty="0">
-                <a:solidFill>
-                  <a:schemeClr val="tx1"/>
-                </a:solidFill>
-              </a:rPr>
-            </a:br>
-            <a:r>
-              <a:rPr lang="pt-BR" sz="2400" dirty="0">
-                <a:solidFill>
-                  <a:schemeClr val="tx1"/>
-                </a:solidFill>
-              </a:rPr>
-              <a:t>Java como programar, 10º edição, Paul </a:t>
-            </a:r>
-            <a:r>
-              <a:rPr lang="pt-BR" sz="2400" dirty="0" err="1">
-                <a:solidFill>
-                  <a:schemeClr val="tx1"/>
-                </a:solidFill>
-              </a:rPr>
-              <a:t>Deitel</a:t>
-            </a:r>
-            <a:r>
-              <a:rPr lang="pt-BR" sz="2400" dirty="0">
-                <a:solidFill>
-                  <a:schemeClr val="tx1"/>
-                </a:solidFill>
-              </a:rPr>
-              <a:t> e Harvey </a:t>
-            </a:r>
-            <a:r>
-              <a:rPr lang="pt-BR" sz="2400" dirty="0" err="1">
-                <a:solidFill>
-                  <a:schemeClr val="tx1"/>
-                </a:solidFill>
-              </a:rPr>
-              <a:t>Deitel</a:t>
-            </a:r>
-            <a:r>
-              <a:rPr lang="pt-BR" sz="2400" dirty="0">
-                <a:solidFill>
-                  <a:schemeClr val="tx1"/>
-                </a:solidFill>
-              </a:rPr>
-              <a:t>.</a:t>
-            </a:r>
-            <a:br>
-              <a:rPr lang="pt-BR" sz="2400" dirty="0">
-                <a:solidFill>
-                  <a:schemeClr val="tx1"/>
-                </a:solidFill>
-              </a:rPr>
-            </a:br>
-            <a:r>
-              <a:rPr lang="pt-BR" sz="2400" dirty="0">
-                <a:solidFill>
-                  <a:schemeClr val="tx1"/>
-                </a:solidFill>
-              </a:rPr>
-              <a:t/>
-            </a:r>
-            <a:br>
-              <a:rPr lang="pt-BR" sz="2400" dirty="0">
-                <a:solidFill>
-                  <a:schemeClr val="tx1"/>
-                </a:solidFill>
-              </a:rPr>
-            </a:br>
-            <a:r>
-              <a:rPr lang="pt-BR" sz="2400" dirty="0">
-                <a:solidFill>
-                  <a:schemeClr val="tx1"/>
-                </a:solidFill>
-              </a:rPr>
-              <a:t>JPA / </a:t>
-            </a:r>
-            <a:r>
-              <a:rPr lang="pt-BR" sz="2400" dirty="0" err="1">
-                <a:solidFill>
-                  <a:schemeClr val="tx1"/>
-                </a:solidFill>
-              </a:rPr>
-              <a:t>Hibernate</a:t>
-            </a:r>
-            <a:r>
-              <a:rPr lang="pt-BR" sz="2400" dirty="0">
-                <a:solidFill>
-                  <a:schemeClr val="tx1"/>
-                </a:solidFill>
-              </a:rPr>
-              <a:t/>
-            </a:r>
-            <a:br>
-              <a:rPr lang="pt-BR" sz="2400" dirty="0">
-                <a:solidFill>
-                  <a:schemeClr val="tx1"/>
-                </a:solidFill>
-              </a:rPr>
-            </a:br>
-            <a:r>
-              <a:rPr lang="pt-BR" sz="1600" dirty="0">
-                <a:solidFill>
-                  <a:schemeClr val="tx1"/>
-                </a:solidFill>
-                <a:hlinkClick r:id="rId2"/>
-              </a:rPr>
-              <a:t>https://www.caelum.com.br/apostila-java-web/uma-introducao-pratica-ao-jpa-com-hibernate/#mapeando-uma-classe-tarefa-para-nosso-banco-de-dados</a:t>
-            </a:r>
-            <a:r>
-              <a:rPr lang="pt-BR" sz="2400" dirty="0">
-                <a:solidFill>
-                  <a:schemeClr val="tx1"/>
-                </a:solidFill>
-              </a:rPr>
-              <a:t/>
-            </a:r>
-            <a:br>
-              <a:rPr lang="pt-BR" sz="2400" dirty="0">
-                <a:solidFill>
-                  <a:schemeClr val="tx1"/>
-                </a:solidFill>
-              </a:rPr>
-            </a:br>
-            <a:r>
-              <a:rPr lang="pt-BR" sz="2400" dirty="0">
-                <a:solidFill>
-                  <a:schemeClr val="tx1"/>
-                </a:solidFill>
-              </a:rPr>
-              <a:t/>
-            </a:r>
-            <a:br>
-              <a:rPr lang="pt-BR" sz="2400" dirty="0">
-                <a:solidFill>
-                  <a:schemeClr val="tx1"/>
-                </a:solidFill>
-              </a:rPr>
-            </a:br>
-            <a:r>
-              <a:rPr lang="pt-BR" sz="2400" dirty="0" err="1">
-                <a:solidFill>
-                  <a:schemeClr val="tx1"/>
-                </a:solidFill>
-              </a:rPr>
-              <a:t>Rest</a:t>
-            </a:r>
-            <a:r>
-              <a:rPr lang="pt-BR" sz="2400" dirty="0">
-                <a:solidFill>
-                  <a:schemeClr val="tx1"/>
-                </a:solidFill>
-              </a:rPr>
-              <a:t> Jersey</a:t>
-            </a:r>
-            <a:br>
-              <a:rPr lang="pt-BR" sz="2400" dirty="0">
-                <a:solidFill>
-                  <a:schemeClr val="tx1"/>
-                </a:solidFill>
-              </a:rPr>
-            </a:br>
-            <a:r>
-              <a:rPr lang="pt-BR" sz="1600" dirty="0">
-                <a:solidFill>
-                  <a:schemeClr val="tx1"/>
-                </a:solidFill>
-                <a:hlinkClick r:id="rId3"/>
-              </a:rPr>
-              <a:t>https://jersey.github.io/documentation/latest/index.html</a:t>
-            </a:r>
-            <a:r>
-              <a:rPr lang="pt-BR" sz="2400" dirty="0">
-                <a:solidFill>
-                  <a:schemeClr val="tx1"/>
-                </a:solidFill>
-              </a:rPr>
-              <a:t/>
-            </a:r>
-            <a:br>
-              <a:rPr lang="pt-BR" sz="2400" dirty="0">
-                <a:solidFill>
-                  <a:schemeClr val="tx1"/>
-                </a:solidFill>
-              </a:rPr>
-            </a:br>
+              <a:t>O RUP define perfeitamente quem é responsável pelo que, como as coisas deverão ser feitas e quando devem ser realizadas, descrevendo todas as metas de desenvolvimento especificamente para que sejam alcançadas.</a:t>
+            </a:r>
+          </a:p>
+          <a:p>
+            <a:pPr algn="just"/>
             <a:endParaRPr lang="pt-BR" sz="2400" dirty="0">
               <a:solidFill>
                 <a:schemeClr val="tx1"/>
@@ -16617,7 +16007,7 @@
             </a:endParaRPr>
           </a:p>
           <a:p>
-            <a:pPr algn="l"/>
+            <a:pPr algn="just"/>
             <a:endParaRPr lang="pt-BR" sz="2400" dirty="0">
               <a:solidFill>
                 <a:schemeClr val="tx1"/>
@@ -16625,7 +16015,7 @@
             </a:endParaRPr>
           </a:p>
           <a:p>
-            <a:pPr algn="l"/>
+            <a:pPr algn="just"/>
             <a:endParaRPr lang="pt-BR" sz="2400" dirty="0">
               <a:solidFill>
                 <a:schemeClr val="tx1"/>
@@ -16633,19 +16023,43 @@
             </a:endParaRPr>
           </a:p>
           <a:p>
-            <a:pPr algn="l"/>
+            <a:pPr algn="just"/>
             <a:endParaRPr lang="pt-BR" sz="2400" dirty="0">
               <a:solidFill>
                 <a:schemeClr val="tx1"/>
               </a:solidFill>
             </a:endParaRPr>
           </a:p>
+          <a:p>
+            <a:pPr algn="just"/>
+            <a:endParaRPr lang="pt-BR" sz="2400" dirty="0">
+              <a:solidFill>
+                <a:schemeClr val="tx1"/>
+              </a:solidFill>
+            </a:endParaRPr>
+          </a:p>
+          <a:p>
+            <a:pPr algn="just"/>
+            <a:endParaRPr lang="pt-BR" sz="2400" dirty="0">
+              <a:solidFill>
+                <a:schemeClr val="tx1"/>
+              </a:solidFill>
+            </a:endParaRPr>
+          </a:p>
+          <a:p>
+            <a:pPr algn="just"/>
+            <a:endParaRPr lang="pt-BR" sz="2400" dirty="0">
+              <a:solidFill>
+                <a:schemeClr val="tx1"/>
+              </a:solidFill>
+            </a:endParaRPr>
+          </a:p>
         </p:txBody>
       </p:sp>
     </p:spTree>
     <p:extLst>
       <p:ext uri="{BB962C8B-B14F-4D97-AF65-F5344CB8AC3E}">
-        <p14:creationId xmlns:p14="http://schemas.microsoft.com/office/powerpoint/2010/main" val="3835578790"/>
+        <p14:creationId xmlns:p14="http://schemas.microsoft.com/office/powerpoint/2010/main" val="2286241778"/>
       </p:ext>
     </p:extLst>
   </p:cSld>
@@ -16720,7 +16134,7 @@
                 </a:solidFill>
                 <a:latin typeface="Century Gothic" pitchFamily="34" charset="0"/>
               </a:rPr>
-              <a:t>Referencial Teórico</a:t>
+              <a:t>Metodologia</a:t>
             </a:r>
             <a:endParaRPr lang="pt-BR" sz="1400" b="1" i="1" dirty="0">
               <a:solidFill>
@@ -16745,8 +16159,8 @@
         </p:nvSpPr>
         <p:spPr>
           <a:xfrm>
-            <a:off x="3284113" y="1987061"/>
-            <a:ext cx="5316961" cy="4167553"/>
+            <a:off x="3284113" y="1593909"/>
+            <a:ext cx="5316961" cy="4560706"/>
           </a:xfrm>
         </p:spPr>
         <p:txBody>
@@ -16755,90 +16169,15 @@
           </a:bodyPr>
           <a:lstStyle/>
           <a:p>
-            <a:pPr algn="l"/>
+            <a:pPr algn="just"/>
             <a:r>
               <a:rPr lang="pt-BR" sz="2400" dirty="0">
                 <a:solidFill>
                   <a:schemeClr val="tx1"/>
                 </a:solidFill>
               </a:rPr>
-              <a:t>HTML5</a:t>
-            </a:r>
-            <a:br>
-              <a:rPr lang="pt-BR" sz="2400" dirty="0">
-                <a:solidFill>
-                  <a:schemeClr val="tx1"/>
-                </a:solidFill>
-              </a:rPr>
-            </a:br>
-            <a:r>
-              <a:rPr lang="pt-BR" sz="1600" u="sng" dirty="0">
-                <a:solidFill>
-                  <a:schemeClr val="tx1"/>
-                </a:solidFill>
-                <a:hlinkClick r:id="rId2"/>
-              </a:rPr>
-              <a:t>https://www.w3schools.com/html/default.asp</a:t>
-            </a:r>
-            <a:r>
-              <a:rPr lang="pt-BR" sz="2400" dirty="0">
-                <a:solidFill>
-                  <a:schemeClr val="tx1"/>
-                </a:solidFill>
-              </a:rPr>
-              <a:t/>
-            </a:r>
-            <a:br>
-              <a:rPr lang="pt-BR" sz="2400" dirty="0">
-                <a:solidFill>
-                  <a:schemeClr val="tx1"/>
-                </a:solidFill>
-              </a:rPr>
-            </a:br>
-            <a:r>
-              <a:rPr lang="pt-BR" sz="2400" dirty="0">
-                <a:solidFill>
-                  <a:schemeClr val="tx1"/>
-                </a:solidFill>
-              </a:rPr>
-              <a:t/>
-            </a:r>
-            <a:br>
-              <a:rPr lang="pt-BR" sz="2400" dirty="0">
-                <a:solidFill>
-                  <a:schemeClr val="tx1"/>
-                </a:solidFill>
-              </a:rPr>
-            </a:br>
-            <a:r>
-              <a:rPr lang="pt-BR" sz="2400" dirty="0">
-                <a:solidFill>
-                  <a:schemeClr val="tx1"/>
-                </a:solidFill>
-              </a:rPr>
-              <a:t>CSS3</a:t>
-            </a:r>
-            <a:br>
-              <a:rPr lang="pt-BR" sz="2400" dirty="0">
-                <a:solidFill>
-                  <a:schemeClr val="tx1"/>
-                </a:solidFill>
-              </a:rPr>
-            </a:br>
-            <a:r>
-              <a:rPr lang="pt-BR" sz="1600" u="sng" dirty="0">
-                <a:solidFill>
-                  <a:schemeClr val="tx1"/>
-                </a:solidFill>
-                <a:hlinkClick r:id="rId3"/>
-              </a:rPr>
-              <a:t>https://www.w3schools.com/css/default.asp</a:t>
-            </a:r>
-            <a:endParaRPr lang="pt-BR" sz="1600" dirty="0">
-              <a:solidFill>
-                <a:schemeClr val="tx1"/>
-              </a:solidFill>
-            </a:endParaRPr>
+              <a:t>É um processo de engenharia de software criado para apoiar o desenvolvimento orientado a objetos, fornecendo uma forma sistemática para se obter vantagens no uso da UML.</a:t>
+            </a:r>
           </a:p>
           <a:p>
             <a:pPr algn="just"/>
@@ -16896,12 +16235,56 @@
               </a:solidFill>
             </a:endParaRPr>
           </a:p>
-        </p:txBody>
-      </p:sp>
+          <a:p>
+            <a:pPr algn="just"/>
+            <a:endParaRPr lang="pt-BR" sz="2400" dirty="0">
+              <a:solidFill>
+                <a:schemeClr val="tx1"/>
+              </a:solidFill>
+            </a:endParaRPr>
+          </a:p>
+        </p:txBody>
+      </p:sp>
+      <p:pic>
+        <p:nvPicPr>
+          <p:cNvPr id="3" name="Imagem 2">
+            <a:extLst>
+              <a:ext uri="{FF2B5EF4-FFF2-40B4-BE49-F238E27FC236}">
+                <a16:creationId xmlns:a16="http://schemas.microsoft.com/office/drawing/2014/main" xmlns="" id="{6549D01F-356A-46F8-B219-81BD8E0BCA1F}"/>
+              </a:ext>
+            </a:extLst>
+          </p:cNvPr>
+          <p:cNvPicPr>
+            <a:picLocks noChangeAspect="1"/>
+          </p:cNvPicPr>
+          <p:nvPr/>
+        </p:nvPicPr>
+        <p:blipFill>
+          <a:blip r:embed="rId2">
+            <a:extLst>
+              <a:ext uri="{28A0092B-C50C-407E-A947-70E740481C1C}">
+                <a14:useLocalDpi xmlns:a14="http://schemas.microsoft.com/office/drawing/2010/main" val="0"/>
+              </a:ext>
+            </a:extLst>
+          </a:blip>
+          <a:stretch>
+            <a:fillRect/>
+          </a:stretch>
+        </p:blipFill>
+        <p:spPr>
+          <a:xfrm>
+            <a:off x="3284113" y="3626049"/>
+            <a:ext cx="3959689" cy="2528566"/>
+          </a:xfrm>
+          <a:prstGeom prst="rect">
+            <a:avLst/>
+          </a:prstGeom>
+        </p:spPr>
+      </p:pic>
     </p:spTree>
     <p:extLst>
       <p:ext uri="{BB962C8B-B14F-4D97-AF65-F5344CB8AC3E}">
-        <p14:creationId xmlns:p14="http://schemas.microsoft.com/office/powerpoint/2010/main" val="1608735476"/>
+        <p14:creationId xmlns:p14="http://schemas.microsoft.com/office/powerpoint/2010/main" val="984512111"/>
       </p:ext>
     </p:extLst>
   </p:cSld>
